--- a/ITI/TF/Volume1/media/Figure_4.1-1.pptx
+++ b/ITI/TF/Volume1/media/Figure_4.1-1.pptx
@@ -104,6 +104,11 @@
       </a:defRPr>
     </a:lvl9pPr>
   </p:defaultTextStyle>
+  <p:extLst>
+    <p:ext uri="{EFAFB233-063F-42B5-8137-9DF3F51BA10A}">
+      <p15:sldGuideLst xmlns:p15="http://schemas.microsoft.com/office/powerpoint/2012/main"/>
+    </p:ext>
+  </p:extLst>
 </p:presentation>
 </file>
 
@@ -254,7 +259,7 @@
           <a:p>
             <a:fld id="{3A61E071-D633-774A-BE41-790F570BB030}" type="datetimeFigureOut">
               <a:rPr lang="en-US" smtClean="0"/>
-              <a:t>8/10/20</a:t>
+              <a:t>8/26/20</a:t>
             </a:fld>
             <a:endParaRPr lang="en-US"/>
           </a:p>
@@ -452,7 +457,7 @@
           <a:p>
             <a:fld id="{3A61E071-D633-774A-BE41-790F570BB030}" type="datetimeFigureOut">
               <a:rPr lang="en-US" smtClean="0"/>
-              <a:t>8/10/20</a:t>
+              <a:t>8/26/20</a:t>
             </a:fld>
             <a:endParaRPr lang="en-US"/>
           </a:p>
@@ -660,7 +665,7 @@
           <a:p>
             <a:fld id="{3A61E071-D633-774A-BE41-790F570BB030}" type="datetimeFigureOut">
               <a:rPr lang="en-US" smtClean="0"/>
-              <a:t>8/10/20</a:t>
+              <a:t>8/26/20</a:t>
             </a:fld>
             <a:endParaRPr lang="en-US"/>
           </a:p>
@@ -858,7 +863,7 @@
           <a:p>
             <a:fld id="{3A61E071-D633-774A-BE41-790F570BB030}" type="datetimeFigureOut">
               <a:rPr lang="en-US" smtClean="0"/>
-              <a:t>8/10/20</a:t>
+              <a:t>8/26/20</a:t>
             </a:fld>
             <a:endParaRPr lang="en-US"/>
           </a:p>
@@ -1133,7 +1138,7 @@
           <a:p>
             <a:fld id="{3A61E071-D633-774A-BE41-790F570BB030}" type="datetimeFigureOut">
               <a:rPr lang="en-US" smtClean="0"/>
-              <a:t>8/10/20</a:t>
+              <a:t>8/26/20</a:t>
             </a:fld>
             <a:endParaRPr lang="en-US"/>
           </a:p>
@@ -1398,7 +1403,7 @@
           <a:p>
             <a:fld id="{3A61E071-D633-774A-BE41-790F570BB030}" type="datetimeFigureOut">
               <a:rPr lang="en-US" smtClean="0"/>
-              <a:t>8/10/20</a:t>
+              <a:t>8/26/20</a:t>
             </a:fld>
             <a:endParaRPr lang="en-US"/>
           </a:p>
@@ -1810,7 +1815,7 @@
           <a:p>
             <a:fld id="{3A61E071-D633-774A-BE41-790F570BB030}" type="datetimeFigureOut">
               <a:rPr lang="en-US" smtClean="0"/>
-              <a:t>8/10/20</a:t>
+              <a:t>8/26/20</a:t>
             </a:fld>
             <a:endParaRPr lang="en-US"/>
           </a:p>
@@ -1951,7 +1956,7 @@
           <a:p>
             <a:fld id="{3A61E071-D633-774A-BE41-790F570BB030}" type="datetimeFigureOut">
               <a:rPr lang="en-US" smtClean="0"/>
-              <a:t>8/10/20</a:t>
+              <a:t>8/26/20</a:t>
             </a:fld>
             <a:endParaRPr lang="en-US"/>
           </a:p>
@@ -2064,7 +2069,7 @@
           <a:p>
             <a:fld id="{3A61E071-D633-774A-BE41-790F570BB030}" type="datetimeFigureOut">
               <a:rPr lang="en-US" smtClean="0"/>
-              <a:t>8/10/20</a:t>
+              <a:t>8/26/20</a:t>
             </a:fld>
             <a:endParaRPr lang="en-US"/>
           </a:p>
@@ -2375,7 +2380,7 @@
           <a:p>
             <a:fld id="{3A61E071-D633-774A-BE41-790F570BB030}" type="datetimeFigureOut">
               <a:rPr lang="en-US" smtClean="0"/>
-              <a:t>8/10/20</a:t>
+              <a:t>8/26/20</a:t>
             </a:fld>
             <a:endParaRPr lang="en-US"/>
           </a:p>
@@ -2663,7 +2668,7 @@
           <a:p>
             <a:fld id="{3A61E071-D633-774A-BE41-790F570BB030}" type="datetimeFigureOut">
               <a:rPr lang="en-US" smtClean="0"/>
-              <a:t>8/10/20</a:t>
+              <a:t>8/26/20</a:t>
             </a:fld>
             <a:endParaRPr lang="en-US"/>
           </a:p>
@@ -2904,7 +2909,7 @@
           <a:p>
             <a:fld id="{3A61E071-D633-774A-BE41-790F570BB030}" type="datetimeFigureOut">
               <a:rPr lang="en-US" smtClean="0"/>
-              <a:t>8/10/20</a:t>
+              <a:t>8/26/20</a:t>
             </a:fld>
             <a:endParaRPr lang="en-US"/>
           </a:p>
@@ -3455,6 +3460,7 @@
                 <a:effectLst/>
                 <a:latin typeface="Times New Roman" panose="02020603050405020304" pitchFamily="18" charset="0"/>
                 <a:ea typeface="Times New Roman" panose="02020603050405020304" pitchFamily="18" charset="0"/>
+                <a:cs typeface="Times New Roman" panose="02020603050405020304" pitchFamily="18" charset="0"/>
                 <a:sym typeface="Symbol" pitchFamily="2" charset="2"/>
               </a:rPr>
               <a:t></a:t>
@@ -3468,7 +3474,9 @@
                   <a:schemeClr val="tx1"/>
                 </a:solidFill>
                 <a:effectLst/>
+                <a:latin typeface="Times New Roman" panose="02020603050405020304" pitchFamily="18" charset="0"/>
                 <a:ea typeface="Times New Roman" panose="02020603050405020304" pitchFamily="18" charset="0"/>
+                <a:cs typeface="Times New Roman" panose="02020603050405020304" pitchFamily="18" charset="0"/>
               </a:rPr>
               <a:t> Kerberized Communication [ITI-4]</a:t>
             </a:r>
@@ -3481,6 +3489,7 @@
               </a:solidFill>
               <a:effectLst/>
               <a:latin typeface="Times New Roman" panose="02020603050405020304" pitchFamily="18" charset="0"/>
+              <a:cs typeface="Times New Roman" panose="02020603050405020304" pitchFamily="18" charset="0"/>
               <a:sym typeface="Symbol" pitchFamily="2" charset="2"/>
             </a:endParaRPr>
           </a:p>
@@ -3511,6 +3520,7 @@
               <a:effectLst/>
               <a:latin typeface="Times New Roman" panose="02020603050405020304" pitchFamily="18" charset="0"/>
               <a:ea typeface="Times New Roman" panose="02020603050405020304" pitchFamily="18" charset="0"/>
+              <a:cs typeface="Times New Roman" panose="02020603050405020304" pitchFamily="18" charset="0"/>
               <a:sym typeface="Symbol" pitchFamily="2" charset="2"/>
             </a:endParaRPr>
           </a:p>
@@ -3563,7 +3573,10 @@
           </a:bodyPr>
           <a:lstStyle/>
           <a:p>
-            <a:endParaRPr lang="en-US"/>
+            <a:endParaRPr lang="en-US">
+              <a:latin typeface="Times New Roman" panose="02020603050405020304" pitchFamily="18" charset="0"/>
+              <a:cs typeface="Times New Roman" panose="02020603050405020304" pitchFamily="18" charset="0"/>
+            </a:endParaRPr>
           </a:p>
         </p:txBody>
       </p:sp>
@@ -3614,7 +3627,10 @@
           </a:bodyPr>
           <a:lstStyle/>
           <a:p>
-            <a:endParaRPr lang="en-US"/>
+            <a:endParaRPr lang="en-US">
+              <a:latin typeface="Times New Roman" panose="02020603050405020304" pitchFamily="18" charset="0"/>
+              <a:cs typeface="Times New Roman" panose="02020603050405020304" pitchFamily="18" charset="0"/>
+            </a:endParaRPr>
           </a:p>
         </p:txBody>
       </p:sp>
@@ -3672,7 +3688,7 @@
           </a:bodyPr>
           <a:lstStyle/>
           <a:p>
-            <a:pPr marL="0" marR="0" lvl="0" indent="0" algn="l" defTabSz="914400" rtl="0" eaLnBrk="0" fontAlgn="base" latinLnBrk="0" hangingPunct="0">
+            <a:pPr marL="0" marR="0" lvl="0" indent="0" algn="r" defTabSz="914400" rtl="0" eaLnBrk="0" fontAlgn="base" latinLnBrk="0" hangingPunct="0">
               <a:lnSpc>
                 <a:spcPct val="100000"/>
               </a:lnSpc>
@@ -3689,21 +3705,7 @@
               <a:tabLst/>
             </a:pPr>
             <a:r>
-              <a:rPr kumimoji="0" lang="en-AU" altLang="en-US" sz="1000" b="0" i="0" u="none" strike="noStrike" cap="none" normalizeH="0" baseline="0">
-                <a:ln>
-                  <a:noFill/>
-                </a:ln>
-                <a:solidFill>
-                  <a:schemeClr val="tx1"/>
-                </a:solidFill>
-                <a:effectLst/>
-                <a:latin typeface="Arial" panose="020B0604020202020204" pitchFamily="34" charset="0"/>
-                <a:ea typeface="Times New Roman" panose="02020603050405020304" pitchFamily="18" charset="0"/>
-              </a:rPr>
-              <a:t>Get User Authentication [ITI-2] </a:t>
-            </a:r>
-            <a:r>
-              <a:rPr kumimoji="0" lang="en-AU" altLang="en-US" sz="1000" b="0" i="0" u="none" strike="noStrike" cap="none" normalizeH="0" baseline="0">
+              <a:rPr kumimoji="0" lang="en-AU" altLang="en-US" sz="1000" b="0" i="0" u="none" strike="noStrike" cap="none" normalizeH="0" baseline="0" dirty="0">
                 <a:ln>
                   <a:noFill/>
                 </a:ln>
@@ -3713,6 +3715,22 @@
                 <a:effectLst/>
                 <a:latin typeface="Times New Roman" panose="02020603050405020304" pitchFamily="18" charset="0"/>
                 <a:ea typeface="Times New Roman" panose="02020603050405020304" pitchFamily="18" charset="0"/>
+                <a:cs typeface="Times New Roman" panose="02020603050405020304" pitchFamily="18" charset="0"/>
+              </a:rPr>
+              <a:t>Get User Authentication [ITI-2] </a:t>
+            </a:r>
+            <a:r>
+              <a:rPr kumimoji="0" lang="en-AU" altLang="en-US" sz="1000" b="0" i="0" u="none" strike="noStrike" cap="none" normalizeH="0" baseline="0" dirty="0">
+                <a:ln>
+                  <a:noFill/>
+                </a:ln>
+                <a:solidFill>
+                  <a:schemeClr val="tx1"/>
+                </a:solidFill>
+                <a:effectLst/>
+                <a:latin typeface="Times New Roman" panose="02020603050405020304" pitchFamily="18" charset="0"/>
+                <a:ea typeface="Times New Roman" panose="02020603050405020304" pitchFamily="18" charset="0"/>
+                <a:cs typeface="Times New Roman" panose="02020603050405020304" pitchFamily="18" charset="0"/>
                 <a:sym typeface="Symbol" pitchFamily="2" charset="2"/>
               </a:rPr>
               <a:t></a:t>
@@ -3801,6 +3819,7 @@
                 <a:effectLst/>
                 <a:latin typeface="Times New Roman" panose="02020603050405020304" pitchFamily="18" charset="0"/>
                 <a:ea typeface="Times New Roman" panose="02020603050405020304" pitchFamily="18" charset="0"/>
+                <a:cs typeface="Times New Roman" panose="02020603050405020304" pitchFamily="18" charset="0"/>
                 <a:sym typeface="Symbol" pitchFamily="2" charset="2"/>
               </a:rPr>
               <a:t></a:t>
@@ -3814,7 +3833,9 @@
                   <a:schemeClr val="tx1"/>
                 </a:solidFill>
                 <a:effectLst/>
+                <a:latin typeface="Times New Roman" panose="02020603050405020304" pitchFamily="18" charset="0"/>
                 <a:ea typeface="Times New Roman" panose="02020603050405020304" pitchFamily="18" charset="0"/>
+                <a:cs typeface="Times New Roman" panose="02020603050405020304" pitchFamily="18" charset="0"/>
               </a:rPr>
               <a:t> Get Service Ticket [ITI-3]</a:t>
             </a:r>
@@ -3828,6 +3849,7 @@
               <a:effectLst/>
               <a:latin typeface="Times New Roman" panose="02020603050405020304" pitchFamily="18" charset="0"/>
               <a:ea typeface="Times New Roman" panose="02020603050405020304" pitchFamily="18" charset="0"/>
+              <a:cs typeface="Times New Roman" panose="02020603050405020304" pitchFamily="18" charset="0"/>
               <a:sym typeface="Symbol" pitchFamily="2" charset="2"/>
             </a:endParaRPr>
           </a:p>
@@ -3900,8 +3922,9 @@
                   <a:schemeClr val="tx1"/>
                 </a:solidFill>
                 <a:effectLst/>
-                <a:latin typeface="Arial" panose="020B0604020202020204" pitchFamily="34" charset="0"/>
+                <a:latin typeface="Times New Roman" panose="02020603050405020304" pitchFamily="18" charset="0"/>
                 <a:ea typeface="Times New Roman" panose="02020603050405020304" pitchFamily="18" charset="0"/>
+                <a:cs typeface="Times New Roman" panose="02020603050405020304" pitchFamily="18" charset="0"/>
               </a:rPr>
               <a:t>Kerberos Authentication Server</a:t>
             </a:r>
@@ -3913,7 +3936,8 @@
                 <a:schemeClr val="tx1"/>
               </a:solidFill>
               <a:effectLst/>
-              <a:latin typeface="Arial" panose="020B0604020202020204" pitchFamily="34" charset="0"/>
+              <a:latin typeface="Times New Roman" panose="02020603050405020304" pitchFamily="18" charset="0"/>
+              <a:cs typeface="Times New Roman" panose="02020603050405020304" pitchFamily="18" charset="0"/>
             </a:endParaRPr>
           </a:p>
         </p:txBody>
@@ -3985,8 +4009,9 @@
                   <a:schemeClr val="tx1"/>
                 </a:solidFill>
                 <a:effectLst/>
-                <a:latin typeface="Arial" panose="020B0604020202020204" pitchFamily="34" charset="0"/>
+                <a:latin typeface="Times New Roman" panose="02020603050405020304" pitchFamily="18" charset="0"/>
                 <a:ea typeface="Times New Roman" panose="02020603050405020304" pitchFamily="18" charset="0"/>
+                <a:cs typeface="Times New Roman" panose="02020603050405020304" pitchFamily="18" charset="0"/>
               </a:rPr>
               <a:t>Client Authentication Agent</a:t>
             </a:r>
@@ -3998,7 +4023,8 @@
                 <a:schemeClr val="tx1"/>
               </a:solidFill>
               <a:effectLst/>
-              <a:latin typeface="Arial" panose="020B0604020202020204" pitchFamily="34" charset="0"/>
+              <a:latin typeface="Times New Roman" panose="02020603050405020304" pitchFamily="18" charset="0"/>
+              <a:cs typeface="Times New Roman" panose="02020603050405020304" pitchFamily="18" charset="0"/>
             </a:endParaRPr>
           </a:p>
         </p:txBody>
@@ -4061,8 +4087,38 @@
               <a:buNone/>
               <a:tabLst/>
             </a:pPr>
-            <a:r>
-              <a:rPr kumimoji="0" lang="en-AU" altLang="en-US" sz="1000" b="0" i="0" u="none" strike="noStrike" cap="none" normalizeH="0" baseline="0">
+            <a:endParaRPr kumimoji="0" lang="en-AU" altLang="en-US" sz="1000" b="0" i="0" u="none" strike="noStrike" cap="none" normalizeH="0" baseline="0" dirty="0">
+              <a:ln>
+                <a:noFill/>
+              </a:ln>
+              <a:solidFill>
+                <a:schemeClr val="tx1"/>
+              </a:solidFill>
+              <a:effectLst/>
+              <a:latin typeface="Times New Roman" panose="02020603050405020304" pitchFamily="18" charset="0"/>
+              <a:ea typeface="Times New Roman" panose="02020603050405020304" pitchFamily="18" charset="0"/>
+              <a:cs typeface="Times New Roman" panose="02020603050405020304" pitchFamily="18" charset="0"/>
+            </a:endParaRPr>
+          </a:p>
+          <a:p>
+            <a:pPr marL="0" marR="0" lvl="0" indent="0" algn="ctr" defTabSz="914400" rtl="0" eaLnBrk="0" fontAlgn="base" latinLnBrk="0" hangingPunct="0">
+              <a:lnSpc>
+                <a:spcPct val="100000"/>
+              </a:lnSpc>
+              <a:spcBef>
+                <a:spcPct val="0"/>
+              </a:spcBef>
+              <a:spcAft>
+                <a:spcPct val="0"/>
+              </a:spcAft>
+              <a:buClrTx/>
+              <a:buSzTx/>
+              <a:buFontTx/>
+              <a:buNone/>
+              <a:tabLst/>
+            </a:pPr>
+            <a:r>
+              <a:rPr kumimoji="0" lang="en-AU" altLang="en-US" sz="1000" b="0" i="0" u="none" strike="noStrike" cap="none" normalizeH="0" baseline="0" dirty="0" err="1">
                 <a:ln>
                   <a:noFill/>
                 </a:ln>
@@ -4070,12 +4126,28 @@
                   <a:schemeClr val="tx1"/>
                 </a:solidFill>
                 <a:effectLst/>
-                <a:latin typeface="Arial" panose="020B0604020202020204" pitchFamily="34" charset="0"/>
+                <a:latin typeface="Times New Roman" panose="02020603050405020304" pitchFamily="18" charset="0"/>
                 <a:ea typeface="Times New Roman" panose="02020603050405020304" pitchFamily="18" charset="0"/>
+                <a:cs typeface="Times New Roman" panose="02020603050405020304" pitchFamily="18" charset="0"/>
               </a:rPr>
-              <a:t>Kerberized Server</a:t>
-            </a:r>
-            <a:endParaRPr kumimoji="0" lang="en-AU" altLang="en-US" sz="1800" b="0" i="0" u="none" strike="noStrike" cap="none" normalizeH="0" baseline="0">
+              <a:t>Kerberized</a:t>
+            </a:r>
+            <a:r>
+              <a:rPr kumimoji="0" lang="en-AU" altLang="en-US" sz="1000" b="0" i="0" u="none" strike="noStrike" cap="none" normalizeH="0" baseline="0" dirty="0">
+                <a:ln>
+                  <a:noFill/>
+                </a:ln>
+                <a:solidFill>
+                  <a:schemeClr val="tx1"/>
+                </a:solidFill>
+                <a:effectLst/>
+                <a:latin typeface="Times New Roman" panose="02020603050405020304" pitchFamily="18" charset="0"/>
+                <a:ea typeface="Times New Roman" panose="02020603050405020304" pitchFamily="18" charset="0"/>
+                <a:cs typeface="Times New Roman" panose="02020603050405020304" pitchFamily="18" charset="0"/>
+              </a:rPr>
+              <a:t> Server</a:t>
+            </a:r>
+            <a:endParaRPr kumimoji="0" lang="en-AU" altLang="en-US" sz="1800" b="0" i="0" u="none" strike="noStrike" cap="none" normalizeH="0" baseline="0" dirty="0">
               <a:ln>
                 <a:noFill/>
               </a:ln>
@@ -4083,7 +4155,8 @@
                 <a:schemeClr val="tx1"/>
               </a:solidFill>
               <a:effectLst/>
-              <a:latin typeface="Arial" panose="020B0604020202020204" pitchFamily="34" charset="0"/>
+              <a:latin typeface="Times New Roman" panose="02020603050405020304" pitchFamily="18" charset="0"/>
+              <a:cs typeface="Times New Roman" panose="02020603050405020304" pitchFamily="18" charset="0"/>
             </a:endParaRPr>
           </a:p>
         </p:txBody>
@@ -4146,8 +4219,38 @@
               <a:buNone/>
               <a:tabLst/>
             </a:pPr>
-            <a:r>
-              <a:rPr kumimoji="0" lang="en-AU" altLang="en-US" sz="1000" b="0" i="1" u="none" strike="noStrike" cap="none" normalizeH="0" baseline="0">
+            <a:endParaRPr kumimoji="0" lang="en-AU" altLang="en-US" sz="1000" b="0" i="1" u="none" strike="noStrike" cap="none" normalizeH="0" baseline="0" dirty="0">
+              <a:ln>
+                <a:noFill/>
+              </a:ln>
+              <a:solidFill>
+                <a:schemeClr val="tx1"/>
+              </a:solidFill>
+              <a:effectLst/>
+              <a:latin typeface="Times New Roman" panose="02020603050405020304" pitchFamily="18" charset="0"/>
+              <a:ea typeface="Times New Roman" panose="02020603050405020304" pitchFamily="18" charset="0"/>
+              <a:cs typeface="Times New Roman" panose="02020603050405020304" pitchFamily="18" charset="0"/>
+            </a:endParaRPr>
+          </a:p>
+          <a:p>
+            <a:pPr marL="0" marR="0" lvl="0" indent="0" algn="ctr" defTabSz="914400" rtl="0" eaLnBrk="0" fontAlgn="base" latinLnBrk="0" hangingPunct="0">
+              <a:lnSpc>
+                <a:spcPct val="100000"/>
+              </a:lnSpc>
+              <a:spcBef>
+                <a:spcPct val="0"/>
+              </a:spcBef>
+              <a:spcAft>
+                <a:spcPct val="0"/>
+              </a:spcAft>
+              <a:buClrTx/>
+              <a:buSzTx/>
+              <a:buFontTx/>
+              <a:buNone/>
+              <a:tabLst/>
+            </a:pPr>
+            <a:r>
+              <a:rPr kumimoji="0" lang="en-AU" altLang="en-US" sz="1000" b="0" i="1" u="none" strike="noStrike" cap="none" normalizeH="0" baseline="0" dirty="0">
                 <a:ln>
                   <a:noFill/>
                 </a:ln>
@@ -4155,12 +4258,13 @@
                   <a:schemeClr val="tx1"/>
                 </a:solidFill>
                 <a:effectLst/>
-                <a:latin typeface="Arial" panose="020B0604020202020204" pitchFamily="34" charset="0"/>
+                <a:latin typeface="Times New Roman" panose="02020603050405020304" pitchFamily="18" charset="0"/>
                 <a:ea typeface="Times New Roman" panose="02020603050405020304" pitchFamily="18" charset="0"/>
+                <a:cs typeface="Times New Roman" panose="02020603050405020304" pitchFamily="18" charset="0"/>
               </a:rPr>
               <a:t>Other IHE Actor</a:t>
             </a:r>
-            <a:endParaRPr kumimoji="0" lang="en-AU" altLang="en-US" sz="1800" b="0" i="0" u="none" strike="noStrike" cap="none" normalizeH="0" baseline="0">
+            <a:endParaRPr kumimoji="0" lang="en-AU" altLang="en-US" sz="1800" b="0" i="0" u="none" strike="noStrike" cap="none" normalizeH="0" baseline="0" dirty="0">
               <a:ln>
                 <a:noFill/>
               </a:ln>
@@ -4168,7 +4272,8 @@
                 <a:schemeClr val="tx1"/>
               </a:solidFill>
               <a:effectLst/>
-              <a:latin typeface="Arial" panose="020B0604020202020204" pitchFamily="34" charset="0"/>
+              <a:latin typeface="Times New Roman" panose="02020603050405020304" pitchFamily="18" charset="0"/>
+              <a:cs typeface="Times New Roman" panose="02020603050405020304" pitchFamily="18" charset="0"/>
             </a:endParaRPr>
           </a:p>
         </p:txBody>
@@ -4231,8 +4336,38 @@
               <a:buNone/>
               <a:tabLst/>
             </a:pPr>
-            <a:r>
-              <a:rPr kumimoji="0" lang="en-AU" altLang="en-US" sz="1000" b="0" i="1" u="none" strike="noStrike" cap="none" normalizeH="0" baseline="0">
+            <a:endParaRPr kumimoji="0" lang="en-AU" altLang="en-US" sz="1000" b="0" i="1" u="none" strike="noStrike" cap="none" normalizeH="0" baseline="0" dirty="0">
+              <a:ln>
+                <a:noFill/>
+              </a:ln>
+              <a:solidFill>
+                <a:schemeClr val="tx1"/>
+              </a:solidFill>
+              <a:effectLst/>
+              <a:latin typeface="Times New Roman" panose="02020603050405020304" pitchFamily="18" charset="0"/>
+              <a:ea typeface="Times New Roman" panose="02020603050405020304" pitchFamily="18" charset="0"/>
+              <a:cs typeface="Times New Roman" panose="02020603050405020304" pitchFamily="18" charset="0"/>
+            </a:endParaRPr>
+          </a:p>
+          <a:p>
+            <a:pPr marL="0" marR="0" lvl="0" indent="0" algn="ctr" defTabSz="914400" rtl="0" eaLnBrk="0" fontAlgn="base" latinLnBrk="0" hangingPunct="0">
+              <a:lnSpc>
+                <a:spcPct val="100000"/>
+              </a:lnSpc>
+              <a:spcBef>
+                <a:spcPct val="0"/>
+              </a:spcBef>
+              <a:spcAft>
+                <a:spcPct val="0"/>
+              </a:spcAft>
+              <a:buClrTx/>
+              <a:buSzTx/>
+              <a:buFontTx/>
+              <a:buNone/>
+              <a:tabLst/>
+            </a:pPr>
+            <a:r>
+              <a:rPr kumimoji="0" lang="en-AU" altLang="en-US" sz="1000" b="0" i="1" u="none" strike="noStrike" cap="none" normalizeH="0" baseline="0" dirty="0">
                 <a:ln>
                   <a:noFill/>
                 </a:ln>
@@ -4240,12 +4375,13 @@
                   <a:schemeClr val="tx1"/>
                 </a:solidFill>
                 <a:effectLst/>
-                <a:latin typeface="Arial" panose="020B0604020202020204" pitchFamily="34" charset="0"/>
+                <a:latin typeface="Times New Roman" panose="02020603050405020304" pitchFamily="18" charset="0"/>
                 <a:ea typeface="Times New Roman" panose="02020603050405020304" pitchFamily="18" charset="0"/>
+                <a:cs typeface="Times New Roman" panose="02020603050405020304" pitchFamily="18" charset="0"/>
               </a:rPr>
               <a:t>Other IHE Actor</a:t>
             </a:r>
-            <a:endParaRPr kumimoji="0" lang="en-AU" altLang="en-US" sz="1800" b="0" i="0" u="none" strike="noStrike" cap="none" normalizeH="0" baseline="0">
+            <a:endParaRPr kumimoji="0" lang="en-AU" altLang="en-US" sz="1800" b="0" i="0" u="none" strike="noStrike" cap="none" normalizeH="0" baseline="0" dirty="0">
               <a:ln>
                 <a:noFill/>
               </a:ln>
@@ -4253,7 +4389,8 @@
                 <a:schemeClr val="tx1"/>
               </a:solidFill>
               <a:effectLst/>
-              <a:latin typeface="Arial" panose="020B0604020202020204" pitchFamily="34" charset="0"/>
+              <a:latin typeface="Times New Roman" panose="02020603050405020304" pitchFamily="18" charset="0"/>
+              <a:cs typeface="Times New Roman" panose="02020603050405020304" pitchFamily="18" charset="0"/>
             </a:endParaRPr>
           </a:p>
         </p:txBody>
@@ -4305,7 +4442,10 @@
           </a:bodyPr>
           <a:lstStyle/>
           <a:p>
-            <a:endParaRPr lang="en-US"/>
+            <a:endParaRPr lang="en-US">
+              <a:latin typeface="Times New Roman" panose="02020603050405020304" pitchFamily="18" charset="0"/>
+              <a:cs typeface="Times New Roman" panose="02020603050405020304" pitchFamily="18" charset="0"/>
+            </a:endParaRPr>
           </a:p>
         </p:txBody>
       </p:sp>
@@ -4424,7 +4564,10 @@
           </a:bodyPr>
           <a:lstStyle/>
           <a:p>
-            <a:endParaRPr lang="en-US"/>
+            <a:endParaRPr lang="en-US">
+              <a:latin typeface="Times New Roman" panose="02020603050405020304" pitchFamily="18" charset="0"/>
+              <a:cs typeface="Times New Roman" panose="02020603050405020304" pitchFamily="18" charset="0"/>
+            </a:endParaRPr>
           </a:p>
         </p:txBody>
       </p:sp>
@@ -4475,7 +4618,10 @@
           </a:bodyPr>
           <a:lstStyle/>
           <a:p>
-            <a:endParaRPr lang="en-US"/>
+            <a:endParaRPr lang="en-US">
+              <a:latin typeface="Times New Roman" panose="02020603050405020304" pitchFamily="18" charset="0"/>
+              <a:cs typeface="Times New Roman" panose="02020603050405020304" pitchFamily="18" charset="0"/>
+            </a:endParaRPr>
           </a:p>
         </p:txBody>
       </p:sp>
@@ -4495,7 +4641,7 @@
         </p:nvSpPr>
         <p:spPr bwMode="auto">
           <a:xfrm>
-            <a:off x="4972050" y="2409825"/>
+            <a:off x="4993133" y="2430210"/>
             <a:ext cx="895350" cy="400050"/>
           </a:xfrm>
           <a:prstGeom prst="rect">
@@ -4545,7 +4691,7 @@
               <a:tabLst/>
             </a:pPr>
             <a:r>
-              <a:rPr kumimoji="0" lang="en-AU" altLang="en-US" sz="1000" b="0" i="1" u="none" strike="noStrike" cap="none" normalizeH="0" baseline="0">
+              <a:rPr kumimoji="0" lang="en-AU" altLang="en-US" sz="1000" b="0" i="1" u="none" strike="noStrike" cap="none" normalizeH="0" baseline="0" dirty="0">
                 <a:ln>
                   <a:noFill/>
                 </a:ln>
@@ -4553,12 +4699,13 @@
                   <a:schemeClr val="tx1"/>
                 </a:solidFill>
                 <a:effectLst/>
-                <a:latin typeface="Arial" panose="020B0604020202020204" pitchFamily="34" charset="0"/>
+                <a:latin typeface="Times New Roman" panose="02020603050405020304" pitchFamily="18" charset="0"/>
                 <a:ea typeface="Times New Roman" panose="02020603050405020304" pitchFamily="18" charset="0"/>
+                <a:cs typeface="Times New Roman" panose="02020603050405020304" pitchFamily="18" charset="0"/>
               </a:rPr>
               <a:t>Other IHE Transaction</a:t>
             </a:r>
-            <a:endParaRPr kumimoji="0" lang="en-AU" altLang="en-US" sz="1800" b="0" i="0" u="none" strike="noStrike" cap="none" normalizeH="0" baseline="0">
+            <a:endParaRPr kumimoji="0" lang="en-AU" altLang="en-US" sz="1800" b="0" i="0" u="none" strike="noStrike" cap="none" normalizeH="0" baseline="0" dirty="0">
               <a:ln>
                 <a:noFill/>
               </a:ln>
@@ -4566,7 +4713,8 @@
                 <a:schemeClr val="tx1"/>
               </a:solidFill>
               <a:effectLst/>
-              <a:latin typeface="Arial" panose="020B0604020202020204" pitchFamily="34" charset="0"/>
+              <a:latin typeface="Times New Roman" panose="02020603050405020304" pitchFamily="18" charset="0"/>
+              <a:cs typeface="Times New Roman" panose="02020603050405020304" pitchFamily="18" charset="0"/>
             </a:endParaRPr>
           </a:p>
         </p:txBody>
@@ -4629,8 +4777,38 @@
               <a:buNone/>
               <a:tabLst/>
             </a:pPr>
-            <a:r>
-              <a:rPr kumimoji="0" lang="en-AU" altLang="en-US" sz="1000" b="0" i="0" u="none" strike="noStrike" cap="none" normalizeH="0" baseline="0">
+            <a:endParaRPr kumimoji="0" lang="en-AU" altLang="en-US" sz="1000" b="0" i="0" u="none" strike="noStrike" cap="none" normalizeH="0" baseline="0" dirty="0">
+              <a:ln>
+                <a:noFill/>
+              </a:ln>
+              <a:solidFill>
+                <a:schemeClr val="tx1"/>
+              </a:solidFill>
+              <a:effectLst/>
+              <a:latin typeface="Times New Roman" panose="02020603050405020304" pitchFamily="18" charset="0"/>
+              <a:ea typeface="Times New Roman" panose="02020603050405020304" pitchFamily="18" charset="0"/>
+              <a:cs typeface="Times New Roman" panose="02020603050405020304" pitchFamily="18" charset="0"/>
+            </a:endParaRPr>
+          </a:p>
+          <a:p>
+            <a:pPr marL="0" marR="0" lvl="0" indent="0" algn="ctr" defTabSz="914400" rtl="0" eaLnBrk="0" fontAlgn="base" latinLnBrk="0" hangingPunct="0">
+              <a:lnSpc>
+                <a:spcPct val="100000"/>
+              </a:lnSpc>
+              <a:spcBef>
+                <a:spcPct val="0"/>
+              </a:spcBef>
+              <a:spcAft>
+                <a:spcPct val="0"/>
+              </a:spcAft>
+              <a:buClrTx/>
+              <a:buSzTx/>
+              <a:buFontTx/>
+              <a:buNone/>
+              <a:tabLst/>
+            </a:pPr>
+            <a:r>
+              <a:rPr kumimoji="0" lang="en-AU" altLang="en-US" sz="1000" b="0" i="0" u="none" strike="noStrike" cap="none" normalizeH="0" baseline="0" dirty="0">
                 <a:ln>
                   <a:noFill/>
                 </a:ln>
@@ -4638,12 +4816,13 @@
                   <a:schemeClr val="tx1"/>
                 </a:solidFill>
                 <a:effectLst/>
-                <a:latin typeface="Arial" panose="020B0604020202020204" pitchFamily="34" charset="0"/>
+                <a:latin typeface="Times New Roman" panose="02020603050405020304" pitchFamily="18" charset="0"/>
                 <a:ea typeface="Times New Roman" panose="02020603050405020304" pitchFamily="18" charset="0"/>
+                <a:cs typeface="Times New Roman" panose="02020603050405020304" pitchFamily="18" charset="0"/>
               </a:rPr>
               <a:t>Context Manager</a:t>
             </a:r>
-            <a:endParaRPr kumimoji="0" lang="en-AU" altLang="en-US" sz="1800" b="0" i="0" u="none" strike="noStrike" cap="none" normalizeH="0" baseline="0">
+            <a:endParaRPr kumimoji="0" lang="en-AU" altLang="en-US" sz="1800" b="0" i="0" u="none" strike="noStrike" cap="none" normalizeH="0" baseline="0" dirty="0">
               <a:ln>
                 <a:noFill/>
               </a:ln>
@@ -4651,7 +4830,8 @@
                 <a:schemeClr val="tx1"/>
               </a:solidFill>
               <a:effectLst/>
-              <a:latin typeface="Arial" panose="020B0604020202020204" pitchFamily="34" charset="0"/>
+              <a:latin typeface="Times New Roman" panose="02020603050405020304" pitchFamily="18" charset="0"/>
+              <a:cs typeface="Times New Roman" panose="02020603050405020304" pitchFamily="18" charset="0"/>
             </a:endParaRPr>
           </a:p>
         </p:txBody>
@@ -4703,7 +4883,10 @@
           </a:bodyPr>
           <a:lstStyle/>
           <a:p>
-            <a:endParaRPr lang="en-US"/>
+            <a:endParaRPr lang="en-US">
+              <a:latin typeface="Times New Roman" panose="02020603050405020304" pitchFamily="18" charset="0"/>
+              <a:cs typeface="Times New Roman" panose="02020603050405020304" pitchFamily="18" charset="0"/>
+            </a:endParaRPr>
           </a:p>
         </p:txBody>
       </p:sp>
@@ -4786,8 +4969,9 @@
                   <a:schemeClr val="tx1"/>
                 </a:solidFill>
                 <a:effectLst/>
-                <a:latin typeface="Arial" panose="020B0604020202020204" pitchFamily="34" charset="0"/>
+                <a:latin typeface="Times New Roman" panose="02020603050405020304" pitchFamily="18" charset="0"/>
                 <a:ea typeface="Times New Roman" panose="02020603050405020304" pitchFamily="18" charset="0"/>
+                <a:cs typeface="Times New Roman" panose="02020603050405020304" pitchFamily="18" charset="0"/>
               </a:rPr>
               <a:t>Join Context [ITI-5]</a:t>
             </a:r>
@@ -4802,6 +4986,7 @@
                 <a:effectLst/>
                 <a:latin typeface="Times New Roman" panose="02020603050405020304" pitchFamily="18" charset="0"/>
                 <a:ea typeface="Times New Roman" panose="02020603050405020304" pitchFamily="18" charset="0"/>
+                <a:cs typeface="Times New Roman" panose="02020603050405020304" pitchFamily="18" charset="0"/>
                 <a:sym typeface="Symbol" pitchFamily="2" charset="2"/>
               </a:rPr>
               <a:t></a:t>
@@ -4814,6 +4999,8 @@
                 <a:schemeClr val="tx1"/>
               </a:solidFill>
               <a:effectLst/>
+              <a:latin typeface="Times New Roman" panose="02020603050405020304" pitchFamily="18" charset="0"/>
+              <a:cs typeface="Times New Roman" panose="02020603050405020304" pitchFamily="18" charset="0"/>
             </a:endParaRPr>
           </a:p>
           <a:p>
@@ -4844,6 +5031,7 @@
                 <a:effectLst/>
                 <a:latin typeface="Times New Roman" panose="02020603050405020304" pitchFamily="18" charset="0"/>
                 <a:ea typeface="Times New Roman" panose="02020603050405020304" pitchFamily="18" charset="0"/>
+                <a:cs typeface="Times New Roman" panose="02020603050405020304" pitchFamily="18" charset="0"/>
                 <a:sym typeface="Symbol" pitchFamily="2" charset="2"/>
               </a:rPr>
               <a:t>Change Context [ITI-6] </a:t>
@@ -4856,6 +5044,8 @@
                 <a:schemeClr val="tx1"/>
               </a:solidFill>
               <a:effectLst/>
+              <a:latin typeface="Times New Roman" panose="02020603050405020304" pitchFamily="18" charset="0"/>
+              <a:cs typeface="Times New Roman" panose="02020603050405020304" pitchFamily="18" charset="0"/>
             </a:endParaRPr>
           </a:p>
           <a:p>
@@ -4886,6 +5076,7 @@
                 <a:effectLst/>
                 <a:latin typeface="Times New Roman" panose="02020603050405020304" pitchFamily="18" charset="0"/>
                 <a:ea typeface="Times New Roman" panose="02020603050405020304" pitchFamily="18" charset="0"/>
+                <a:cs typeface="Times New Roman" panose="02020603050405020304" pitchFamily="18" charset="0"/>
                 <a:sym typeface="Symbol" pitchFamily="2" charset="2"/>
               </a:rPr>
               <a:t>Leave Context [ITI-7] </a:t>
@@ -4960,7 +5151,9 @@
                   <a:schemeClr val="tx1"/>
                 </a:solidFill>
                 <a:effectLst/>
+                <a:latin typeface="Times New Roman" panose="02020603050405020304" pitchFamily="18" charset="0"/>
                 <a:ea typeface="Times New Roman" panose="02020603050405020304" pitchFamily="18" charset="0"/>
+                <a:cs typeface="Times New Roman" panose="02020603050405020304" pitchFamily="18" charset="0"/>
               </a:rPr>
               <a:t>User Context Participant</a:t>
             </a:r>
@@ -4972,7 +5165,8 @@
                 <a:schemeClr val="tx1"/>
               </a:solidFill>
               <a:effectLst/>
-              <a:latin typeface="Arial" panose="020B0604020202020204" pitchFamily="34" charset="0"/>
+              <a:latin typeface="Times New Roman" panose="02020603050405020304" pitchFamily="18" charset="0"/>
+              <a:cs typeface="Times New Roman" panose="02020603050405020304" pitchFamily="18" charset="0"/>
             </a:endParaRPr>
           </a:p>
         </p:txBody>
@@ -5024,7 +5218,10 @@
           </a:bodyPr>
           <a:lstStyle/>
           <a:p>
-            <a:endParaRPr lang="en-US"/>
+            <a:endParaRPr lang="en-US">
+              <a:latin typeface="Times New Roman" panose="02020603050405020304" pitchFamily="18" charset="0"/>
+              <a:cs typeface="Times New Roman" panose="02020603050405020304" pitchFamily="18" charset="0"/>
+            </a:endParaRPr>
           </a:p>
         </p:txBody>
       </p:sp>
@@ -5044,7 +5241,7 @@
         </p:nvSpPr>
         <p:spPr bwMode="auto">
           <a:xfrm>
-            <a:off x="3022600" y="3124200"/>
+            <a:off x="3022600" y="3168804"/>
             <a:ext cx="1781175" cy="695325"/>
           </a:xfrm>
           <a:prstGeom prst="rect">
@@ -5099,21 +5296,7 @@
               <a:tabLst/>
             </a:pPr>
             <a:r>
-              <a:rPr kumimoji="0" lang="en-AU" altLang="en-US" sz="1000" b="0" i="0" u="none" strike="noStrike" cap="none" normalizeH="0" baseline="0">
-                <a:ln>
-                  <a:noFill/>
-                </a:ln>
-                <a:solidFill>
-                  <a:schemeClr val="tx1"/>
-                </a:solidFill>
-                <a:effectLst/>
-                <a:latin typeface="Arial" panose="020B0604020202020204" pitchFamily="34" charset="0"/>
-                <a:ea typeface="Times New Roman" panose="02020603050405020304" pitchFamily="18" charset="0"/>
-              </a:rPr>
-              <a:t>Join Context [ITI-5] </a:t>
-            </a:r>
-            <a:r>
-              <a:rPr kumimoji="0" lang="en-AU" altLang="en-US" sz="1000" b="0" i="0" u="none" strike="noStrike" cap="none" normalizeH="0" baseline="0">
+              <a:rPr kumimoji="0" lang="en-AU" altLang="en-US" sz="1000" b="0" i="0" u="none" strike="noStrike" cap="none" normalizeH="0" baseline="0" dirty="0">
                 <a:ln>
                   <a:noFill/>
                 </a:ln>
@@ -5123,11 +5306,27 @@
                 <a:effectLst/>
                 <a:latin typeface="Times New Roman" panose="02020603050405020304" pitchFamily="18" charset="0"/>
                 <a:ea typeface="Times New Roman" panose="02020603050405020304" pitchFamily="18" charset="0"/>
+                <a:cs typeface="Times New Roman" panose="02020603050405020304" pitchFamily="18" charset="0"/>
+              </a:rPr>
+              <a:t>Join Context [ITI-5] </a:t>
+            </a:r>
+            <a:r>
+              <a:rPr kumimoji="0" lang="en-AU" altLang="en-US" sz="1000" b="0" i="0" u="none" strike="noStrike" cap="none" normalizeH="0" baseline="0" dirty="0">
+                <a:ln>
+                  <a:noFill/>
+                </a:ln>
+                <a:solidFill>
+                  <a:schemeClr val="tx1"/>
+                </a:solidFill>
+                <a:effectLst/>
+                <a:latin typeface="Times New Roman" panose="02020603050405020304" pitchFamily="18" charset="0"/>
+                <a:ea typeface="Times New Roman" panose="02020603050405020304" pitchFamily="18" charset="0"/>
+                <a:cs typeface="Times New Roman" panose="02020603050405020304" pitchFamily="18" charset="0"/>
                 <a:sym typeface="Symbol" pitchFamily="2" charset="2"/>
               </a:rPr>
               <a:t></a:t>
             </a:r>
-            <a:endParaRPr kumimoji="0" lang="en-AU" altLang="en-US" sz="1000" b="0" i="0" u="none" strike="noStrike" cap="none" normalizeH="0" baseline="0">
+            <a:endParaRPr kumimoji="0" lang="en-AU" altLang="en-US" sz="1000" b="0" i="0" u="none" strike="noStrike" cap="none" normalizeH="0" baseline="0" dirty="0">
               <a:ln>
                 <a:noFill/>
               </a:ln>
@@ -5135,6 +5334,8 @@
                 <a:schemeClr val="tx1"/>
               </a:solidFill>
               <a:effectLst/>
+              <a:latin typeface="Times New Roman" panose="02020603050405020304" pitchFamily="18" charset="0"/>
+              <a:cs typeface="Times New Roman" panose="02020603050405020304" pitchFamily="18" charset="0"/>
             </a:endParaRPr>
           </a:p>
           <a:p>
@@ -5155,7 +5356,7 @@
               <a:tabLst/>
             </a:pPr>
             <a:r>
-              <a:rPr kumimoji="0" lang="en-AU" altLang="en-US" sz="1000" b="0" i="0" u="none" strike="noStrike" cap="none" normalizeH="0" baseline="0">
+              <a:rPr kumimoji="0" lang="en-AU" altLang="en-US" sz="1000" b="0" i="0" u="none" strike="noStrike" cap="none" normalizeH="0" baseline="0" dirty="0">
                 <a:ln>
                   <a:noFill/>
                 </a:ln>
@@ -5165,11 +5366,12 @@
                 <a:effectLst/>
                 <a:latin typeface="Times New Roman" panose="02020603050405020304" pitchFamily="18" charset="0"/>
                 <a:ea typeface="Times New Roman" panose="02020603050405020304" pitchFamily="18" charset="0"/>
+                <a:cs typeface="Times New Roman" panose="02020603050405020304" pitchFamily="18" charset="0"/>
                 <a:sym typeface="Symbol" pitchFamily="2" charset="2"/>
               </a:rPr>
               <a:t>Follow Context [ITI-13] </a:t>
             </a:r>
-            <a:endParaRPr kumimoji="0" lang="en-AU" altLang="en-US" sz="1000" b="0" i="0" u="none" strike="noStrike" cap="none" normalizeH="0" baseline="0">
+            <a:endParaRPr kumimoji="0" lang="en-AU" altLang="en-US" sz="1000" b="0" i="0" u="none" strike="noStrike" cap="none" normalizeH="0" baseline="0" dirty="0">
               <a:ln>
                 <a:noFill/>
               </a:ln>
@@ -5177,6 +5379,8 @@
                 <a:schemeClr val="tx1"/>
               </a:solidFill>
               <a:effectLst/>
+              <a:latin typeface="Times New Roman" panose="02020603050405020304" pitchFamily="18" charset="0"/>
+              <a:cs typeface="Times New Roman" panose="02020603050405020304" pitchFamily="18" charset="0"/>
             </a:endParaRPr>
           </a:p>
           <a:p>
@@ -5197,7 +5401,7 @@
               <a:tabLst/>
             </a:pPr>
             <a:r>
-              <a:rPr kumimoji="0" lang="en-AU" altLang="en-US" sz="1000" b="0" i="0" u="none" strike="noStrike" cap="none" normalizeH="0" baseline="0">
+              <a:rPr kumimoji="0" lang="en-AU" altLang="en-US" sz="1000" b="0" i="0" u="none" strike="noStrike" cap="none" normalizeH="0" baseline="0" dirty="0">
                 <a:ln>
                   <a:noFill/>
                 </a:ln>
@@ -5207,6 +5411,7 @@
                 <a:effectLst/>
                 <a:latin typeface="Times New Roman" panose="02020603050405020304" pitchFamily="18" charset="0"/>
                 <a:ea typeface="Times New Roman" panose="02020603050405020304" pitchFamily="18" charset="0"/>
+                <a:cs typeface="Times New Roman" panose="02020603050405020304" pitchFamily="18" charset="0"/>
                 <a:sym typeface="Symbol" pitchFamily="2" charset="2"/>
               </a:rPr>
               <a:t>Leave Context [ITI-7] </a:t>
@@ -5564,6 +5769,236 @@
           <a:lstStyle/>
           <a:p>
             <a:endParaRPr lang="en-US"/>
+          </a:p>
+        </p:txBody>
+      </p:sp>
+      <p:sp>
+        <p:nvSpPr>
+          <p:cNvPr id="30" name="Line 10">
+            <a:extLst>
+              <a:ext uri="{FF2B5EF4-FFF2-40B4-BE49-F238E27FC236}">
+                <a16:creationId xmlns:a16="http://schemas.microsoft.com/office/drawing/2014/main" id="{C2011FED-590F-524C-9A30-18EB05B74FB2}"/>
+              </a:ext>
+            </a:extLst>
+          </p:cNvPr>
+          <p:cNvSpPr>
+            <a:spLocks noChangeShapeType="1"/>
+          </p:cNvSpPr>
+          <p:nvPr/>
+        </p:nvSpPr>
+        <p:spPr bwMode="auto">
+          <a:xfrm flipH="1" flipV="1">
+            <a:off x="3043202" y="2396545"/>
+            <a:ext cx="1543050" cy="0"/>
+          </a:xfrm>
+          <a:prstGeom prst="line">
+            <a:avLst/>
+          </a:prstGeom>
+          <a:noFill/>
+          <a:ln w="19050">
+            <a:solidFill>
+              <a:srgbClr val="000000"/>
+            </a:solidFill>
+            <a:round/>
+            <a:headEnd/>
+            <a:tailEnd/>
+          </a:ln>
+          <a:extLst>
+            <a:ext uri="{909E8E84-426E-40DD-AFC4-6F175D3DCCD1}">
+              <a14:hiddenFill xmlns:a14="http://schemas.microsoft.com/office/drawing/2010/main">
+                <a:noFill/>
+              </a14:hiddenFill>
+            </a:ext>
+          </a:extLst>
+        </p:spPr>
+        <p:txBody>
+          <a:bodyPr vert="horz" wrap="square" lIns="91440" tIns="45720" rIns="91440" bIns="45720" numCol="1" anchor="t" anchorCtr="0" compatLnSpc="1">
+            <a:prstTxWarp prst="textNoShape">
+              <a:avLst/>
+            </a:prstTxWarp>
+          </a:bodyPr>
+          <a:lstStyle/>
+          <a:p>
+            <a:endParaRPr lang="en-US">
+              <a:latin typeface="Times New Roman" panose="02020603050405020304" pitchFamily="18" charset="0"/>
+              <a:cs typeface="Times New Roman" panose="02020603050405020304" pitchFamily="18" charset="0"/>
+            </a:endParaRPr>
+          </a:p>
+        </p:txBody>
+      </p:sp>
+      <p:sp>
+        <p:nvSpPr>
+          <p:cNvPr id="31" name="Arc 9">
+            <a:extLst>
+              <a:ext uri="{FF2B5EF4-FFF2-40B4-BE49-F238E27FC236}">
+                <a16:creationId xmlns:a16="http://schemas.microsoft.com/office/drawing/2014/main" id="{5C1D67C1-6117-5740-9E50-858AA9D8638F}"/>
+              </a:ext>
+            </a:extLst>
+          </p:cNvPr>
+          <p:cNvSpPr>
+            <a:spLocks/>
+          </p:cNvSpPr>
+          <p:nvPr/>
+        </p:nvSpPr>
+        <p:spPr bwMode="auto">
+          <a:xfrm flipV="1">
+            <a:off x="4517990" y="2244145"/>
+            <a:ext cx="182562" cy="152400"/>
+          </a:xfrm>
+          <a:custGeom>
+            <a:avLst/>
+            <a:gdLst>
+              <a:gd name="G0" fmla="+- 0 0 0"/>
+              <a:gd name="G1" fmla="+- 20962 0 0"/>
+              <a:gd name="G2" fmla="+- 21600 0 0"/>
+              <a:gd name="T0" fmla="*/ 43958 w 21600"/>
+              <a:gd name="T1" fmla="*/ 0 h 23145"/>
+              <a:gd name="T2" fmla="*/ 181308 w 21600"/>
+              <a:gd name="T3" fmla="*/ 152400 h 23145"/>
+              <a:gd name="T4" fmla="*/ 0 w 21600"/>
+              <a:gd name="T5" fmla="*/ 138026 h 23145"/>
+              <a:gd name="T6" fmla="*/ 0 60000 65536"/>
+              <a:gd name="T7" fmla="*/ 0 60000 65536"/>
+              <a:gd name="T8" fmla="*/ 0 60000 65536"/>
+            </a:gdLst>
+            <a:ahLst/>
+            <a:cxnLst>
+              <a:cxn ang="T6">
+                <a:pos x="T0" y="T1"/>
+              </a:cxn>
+              <a:cxn ang="T7">
+                <a:pos x="T2" y="T3"/>
+              </a:cxn>
+              <a:cxn ang="T8">
+                <a:pos x="T4" y="T5"/>
+              </a:cxn>
+            </a:cxnLst>
+            <a:rect l="0" t="0" r="r" b="b"/>
+            <a:pathLst>
+              <a:path w="21600" h="23145" fill="none" extrusionOk="0">
+                <a:moveTo>
+                  <a:pt x="5210" y="-1"/>
+                </a:moveTo>
+                <a:cubicBezTo>
+                  <a:pt x="14839" y="2393"/>
+                  <a:pt x="21600" y="11039"/>
+                  <a:pt x="21600" y="20962"/>
+                </a:cubicBezTo>
+                <a:cubicBezTo>
+                  <a:pt x="21600" y="21691"/>
+                  <a:pt x="21563" y="22419"/>
+                  <a:pt x="21489" y="23145"/>
+                </a:cubicBezTo>
+              </a:path>
+              <a:path w="21600" h="23145" stroke="0" extrusionOk="0">
+                <a:moveTo>
+                  <a:pt x="5210" y="-1"/>
+                </a:moveTo>
+                <a:cubicBezTo>
+                  <a:pt x="14839" y="2393"/>
+                  <a:pt x="21600" y="11039"/>
+                  <a:pt x="21600" y="20962"/>
+                </a:cubicBezTo>
+                <a:cubicBezTo>
+                  <a:pt x="21600" y="21691"/>
+                  <a:pt x="21563" y="22419"/>
+                  <a:pt x="21489" y="23145"/>
+                </a:cubicBezTo>
+                <a:lnTo>
+                  <a:pt x="0" y="20962"/>
+                </a:lnTo>
+                <a:lnTo>
+                  <a:pt x="5210" y="-1"/>
+                </a:lnTo>
+                <a:close/>
+              </a:path>
+            </a:pathLst>
+          </a:custGeom>
+          <a:noFill/>
+          <a:ln w="19050">
+            <a:solidFill>
+              <a:srgbClr val="000000"/>
+            </a:solidFill>
+            <a:round/>
+            <a:headEnd/>
+            <a:tailEnd/>
+          </a:ln>
+          <a:extLst>
+            <a:ext uri="{909E8E84-426E-40DD-AFC4-6F175D3DCCD1}">
+              <a14:hiddenFill xmlns:a14="http://schemas.microsoft.com/office/drawing/2010/main">
+                <a:solidFill>
+                  <a:srgbClr val="FFFFFF"/>
+                </a:solidFill>
+              </a14:hiddenFill>
+            </a:ext>
+          </a:extLst>
+        </p:spPr>
+        <p:txBody>
+          <a:bodyPr vert="horz" wrap="square" lIns="91440" tIns="45720" rIns="91440" bIns="45720" numCol="1" anchor="t" anchorCtr="0" compatLnSpc="1">
+            <a:prstTxWarp prst="textNoShape">
+              <a:avLst/>
+            </a:prstTxWarp>
+          </a:bodyPr>
+          <a:lstStyle/>
+          <a:p>
+            <a:endParaRPr lang="en-US">
+              <a:latin typeface="Times New Roman" panose="02020603050405020304" pitchFamily="18" charset="0"/>
+              <a:cs typeface="Times New Roman" panose="02020603050405020304" pitchFamily="18" charset="0"/>
+            </a:endParaRPr>
+          </a:p>
+        </p:txBody>
+      </p:sp>
+      <p:sp>
+        <p:nvSpPr>
+          <p:cNvPr id="32" name="Line 8">
+            <a:extLst>
+              <a:ext uri="{FF2B5EF4-FFF2-40B4-BE49-F238E27FC236}">
+                <a16:creationId xmlns:a16="http://schemas.microsoft.com/office/drawing/2014/main" id="{6BCA30BA-C8FE-A745-8C23-822E45597D33}"/>
+              </a:ext>
+            </a:extLst>
+          </p:cNvPr>
+          <p:cNvSpPr>
+            <a:spLocks noChangeShapeType="1"/>
+          </p:cNvSpPr>
+          <p:nvPr/>
+        </p:nvSpPr>
+        <p:spPr bwMode="auto">
+          <a:xfrm>
+            <a:off x="4700551" y="1287463"/>
+            <a:ext cx="1" cy="990019"/>
+          </a:xfrm>
+          <a:prstGeom prst="line">
+            <a:avLst/>
+          </a:prstGeom>
+          <a:noFill/>
+          <a:ln w="19050">
+            <a:solidFill>
+              <a:srgbClr val="000000"/>
+            </a:solidFill>
+            <a:round/>
+            <a:headEnd/>
+            <a:tailEnd/>
+          </a:ln>
+          <a:extLst>
+            <a:ext uri="{909E8E84-426E-40DD-AFC4-6F175D3DCCD1}">
+              <a14:hiddenFill xmlns:a14="http://schemas.microsoft.com/office/drawing/2010/main">
+                <a:noFill/>
+              </a14:hiddenFill>
+            </a:ext>
+          </a:extLst>
+        </p:spPr>
+        <p:txBody>
+          <a:bodyPr vert="horz" wrap="square" lIns="91440" tIns="45720" rIns="91440" bIns="45720" numCol="1" anchor="t" anchorCtr="0" compatLnSpc="1">
+            <a:prstTxWarp prst="textNoShape">
+              <a:avLst/>
+            </a:prstTxWarp>
+          </a:bodyPr>
+          <a:lstStyle/>
+          <a:p>
+            <a:endParaRPr lang="en-US">
+              <a:latin typeface="Times New Roman" panose="02020603050405020304" pitchFamily="18" charset="0"/>
+              <a:cs typeface="Times New Roman" panose="02020603050405020304" pitchFamily="18" charset="0"/>
+            </a:endParaRPr>
           </a:p>
         </p:txBody>
       </p:sp>
